--- a/backend context diagram.pptx
+++ b/backend context diagram.pptx
@@ -117,13 +117,13 @@
 <pc:chgInfo xmlns:a="http://schemas.openxmlformats.org/drawingml/2006/main" xmlns:r="http://schemas.openxmlformats.org/officeDocument/2006/relationships" xmlns:ac="http://schemas.microsoft.com/office/drawing/2013/main/command" xmlns:pc="http://schemas.microsoft.com/office/powerpoint/2013/main/command">
   <pc:docChgLst>
     <pc:chgData userId="4de77596fc931c1f" providerId="LiveId" clId="{DEF7735F-C33B-42B5-891D-DC1E43EAFD3E}"/>
-    <pc:docChg chg="undo custSel addSld modSld">
-      <pc:chgData name="" userId="4de77596fc931c1f" providerId="LiveId" clId="{DEF7735F-C33B-42B5-891D-DC1E43EAFD3E}" dt="2022-10-26T00:43:28.367" v="486" actId="1038"/>
+    <pc:docChg chg="undo custSel addSld delSld modSld">
+      <pc:chgData name="" userId="4de77596fc931c1f" providerId="LiveId" clId="{DEF7735F-C33B-42B5-891D-DC1E43EAFD3E}" dt="2022-10-26T04:54:01.585" v="496" actId="1076"/>
       <pc:docMkLst>
         <pc:docMk/>
       </pc:docMkLst>
       <pc:sldChg chg="addSp delSp modSp">
-        <pc:chgData name="" userId="4de77596fc931c1f" providerId="LiveId" clId="{DEF7735F-C33B-42B5-891D-DC1E43EAFD3E}" dt="2022-10-26T00:42:35.754" v="456"/>
+        <pc:chgData name="" userId="4de77596fc931c1f" providerId="LiveId" clId="{DEF7735F-C33B-42B5-891D-DC1E43EAFD3E}" dt="2022-10-26T04:54:01.585" v="496" actId="1076"/>
         <pc:sldMkLst>
           <pc:docMk/>
           <pc:sldMk cId="4050542598" sldId="256"/>
@@ -161,7 +161,7 @@
           </ac:spMkLst>
         </pc:spChg>
         <pc:spChg chg="add mod">
-          <ac:chgData name="" userId="4de77596fc931c1f" providerId="LiveId" clId="{DEF7735F-C33B-42B5-891D-DC1E43EAFD3E}" dt="2022-10-26T00:41:58.068" v="443" actId="1038"/>
+          <ac:chgData name="" userId="4de77596fc931c1f" providerId="LiveId" clId="{DEF7735F-C33B-42B5-891D-DC1E43EAFD3E}" dt="2022-10-26T04:54:01.585" v="496" actId="1076"/>
           <ac:spMkLst>
             <pc:docMk/>
             <pc:sldMk cId="4050542598" sldId="256"/>
@@ -193,7 +193,7 @@
           </ac:spMkLst>
         </pc:spChg>
         <pc:spChg chg="mod">
-          <ac:chgData name="" userId="4de77596fc931c1f" providerId="LiveId" clId="{DEF7735F-C33B-42B5-891D-DC1E43EAFD3E}" dt="2022-10-26T00:41:25.568" v="416" actId="20577"/>
+          <ac:chgData name="" userId="4de77596fc931c1f" providerId="LiveId" clId="{DEF7735F-C33B-42B5-891D-DC1E43EAFD3E}" dt="2022-10-26T04:53:27.536" v="490" actId="1076"/>
           <ac:spMkLst>
             <pc:docMk/>
             <pc:sldMk cId="4050542598" sldId="256"/>
@@ -209,7 +209,7 @@
           </ac:spMkLst>
         </pc:spChg>
         <pc:spChg chg="mod">
-          <ac:chgData name="" userId="4de77596fc931c1f" providerId="LiveId" clId="{DEF7735F-C33B-42B5-891D-DC1E43EAFD3E}" dt="2022-10-26T00:41:33.114" v="418" actId="14100"/>
+          <ac:chgData name="" userId="4de77596fc931c1f" providerId="LiveId" clId="{DEF7735F-C33B-42B5-891D-DC1E43EAFD3E}" dt="2022-10-26T04:53:22.459" v="489" actId="1076"/>
           <ac:spMkLst>
             <pc:docMk/>
             <pc:sldMk cId="4050542598" sldId="256"/>
@@ -257,7 +257,7 @@
           </ac:spMkLst>
         </pc:spChg>
         <pc:picChg chg="mod">
-          <ac:chgData name="" userId="4de77596fc931c1f" providerId="LiveId" clId="{DEF7735F-C33B-42B5-891D-DC1E43EAFD3E}" dt="2022-10-26T00:00:56.269" v="282" actId="1035"/>
+          <ac:chgData name="" userId="4de77596fc931c1f" providerId="LiveId" clId="{DEF7735F-C33B-42B5-891D-DC1E43EAFD3E}" dt="2022-10-26T04:53:27.536" v="490" actId="1076"/>
           <ac:picMkLst>
             <pc:docMk/>
             <pc:sldMk cId="4050542598" sldId="256"/>
@@ -281,7 +281,7 @@
           </ac:picMkLst>
         </pc:picChg>
         <pc:picChg chg="mod">
-          <ac:chgData name="" userId="4de77596fc931c1f" providerId="LiveId" clId="{DEF7735F-C33B-42B5-891D-DC1E43EAFD3E}" dt="2022-10-26T00:00:56.269" v="282" actId="1035"/>
+          <ac:chgData name="" userId="4de77596fc931c1f" providerId="LiveId" clId="{DEF7735F-C33B-42B5-891D-DC1E43EAFD3E}" dt="2022-10-26T04:53:22.459" v="489" actId="1076"/>
           <ac:picMkLst>
             <pc:docMk/>
             <pc:sldMk cId="4050542598" sldId="256"/>
@@ -297,7 +297,7 @@
           </ac:picMkLst>
         </pc:picChg>
         <pc:picChg chg="add mod">
-          <ac:chgData name="" userId="4de77596fc931c1f" providerId="LiveId" clId="{DEF7735F-C33B-42B5-891D-DC1E43EAFD3E}" dt="2022-10-26T00:00:56.269" v="282" actId="1035"/>
+          <ac:chgData name="" userId="4de77596fc931c1f" providerId="LiveId" clId="{DEF7735F-C33B-42B5-891D-DC1E43EAFD3E}" dt="2022-10-26T04:53:34.302" v="491" actId="1076"/>
           <ac:picMkLst>
             <pc:docMk/>
             <pc:sldMk cId="4050542598" sldId="256"/>
@@ -305,7 +305,7 @@
           </ac:picMkLst>
         </pc:picChg>
         <pc:cxnChg chg="add mod">
-          <ac:chgData name="" userId="4de77596fc931c1f" providerId="LiveId" clId="{DEF7735F-C33B-42B5-891D-DC1E43EAFD3E}" dt="2022-10-26T00:00:56.269" v="282" actId="1035"/>
+          <ac:chgData name="" userId="4de77596fc931c1f" providerId="LiveId" clId="{DEF7735F-C33B-42B5-891D-DC1E43EAFD3E}" dt="2022-10-26T04:53:48.526" v="494" actId="14100"/>
           <ac:cxnSpMkLst>
             <pc:docMk/>
             <pc:sldMk cId="4050542598" sldId="256"/>
@@ -321,7 +321,7 @@
           </ac:cxnSpMkLst>
         </pc:cxnChg>
         <pc:cxnChg chg="mod">
-          <ac:chgData name="" userId="4de77596fc931c1f" providerId="LiveId" clId="{DEF7735F-C33B-42B5-891D-DC1E43EAFD3E}" dt="2022-10-26T00:00:56.269" v="282" actId="1035"/>
+          <ac:chgData name="" userId="4de77596fc931c1f" providerId="LiveId" clId="{DEF7735F-C33B-42B5-891D-DC1E43EAFD3E}" dt="2022-10-26T04:53:27.536" v="490" actId="1076"/>
           <ac:cxnSpMkLst>
             <pc:docMk/>
             <pc:sldMk cId="4050542598" sldId="256"/>
@@ -329,7 +329,7 @@
           </ac:cxnSpMkLst>
         </pc:cxnChg>
         <pc:cxnChg chg="add mod">
-          <ac:chgData name="" userId="4de77596fc931c1f" providerId="LiveId" clId="{DEF7735F-C33B-42B5-891D-DC1E43EAFD3E}" dt="2022-10-26T00:00:56.269" v="282" actId="1035"/>
+          <ac:chgData name="" userId="4de77596fc931c1f" providerId="LiveId" clId="{DEF7735F-C33B-42B5-891D-DC1E43EAFD3E}" dt="2022-10-26T04:53:54.213" v="495" actId="14100"/>
           <ac:cxnSpMkLst>
             <pc:docMk/>
             <pc:sldMk cId="4050542598" sldId="256"/>
@@ -337,7 +337,7 @@
           </ac:cxnSpMkLst>
         </pc:cxnChg>
         <pc:cxnChg chg="mod">
-          <ac:chgData name="" userId="4de77596fc931c1f" providerId="LiveId" clId="{DEF7735F-C33B-42B5-891D-DC1E43EAFD3E}" dt="2022-10-26T00:03:43.844" v="316" actId="14100"/>
+          <ac:chgData name="" userId="4de77596fc931c1f" providerId="LiveId" clId="{DEF7735F-C33B-42B5-891D-DC1E43EAFD3E}" dt="2022-10-26T04:53:27.536" v="490" actId="1076"/>
           <ac:cxnSpMkLst>
             <pc:docMk/>
             <pc:sldMk cId="4050542598" sldId="256"/>
@@ -439,6 +439,13 @@
             <ac:spMk id="48" creationId="{EAC2D6BD-2E8D-46B3-8508-A0CEEE16217A}"/>
           </ac:spMkLst>
         </pc:spChg>
+      </pc:sldChg>
+      <pc:sldChg chg="add del">
+        <pc:chgData name="" userId="4de77596fc931c1f" providerId="LiveId" clId="{DEF7735F-C33B-42B5-891D-DC1E43EAFD3E}" dt="2022-10-26T04:53:10.984" v="488" actId="2696"/>
+        <pc:sldMkLst>
+          <pc:docMk/>
+          <pc:sldMk cId="4090388569" sldId="258"/>
+        </pc:sldMkLst>
       </pc:sldChg>
     </pc:docChg>
   </pc:docChgLst>
@@ -3927,7 +3934,7 @@
         </p:blipFill>
         <p:spPr>
           <a:xfrm>
-            <a:off x="5571960" y="3044120"/>
+            <a:off x="5847180" y="2485762"/>
             <a:ext cx="873986" cy="873986"/>
           </a:xfrm>
           <a:prstGeom prst="rect">
@@ -4035,7 +4042,7 @@
         </p:blipFill>
         <p:spPr>
           <a:xfrm>
-            <a:off x="8380570" y="2225218"/>
+            <a:off x="9449027" y="3103151"/>
             <a:ext cx="1104335" cy="1104335"/>
           </a:xfrm>
           <a:prstGeom prst="rect">
@@ -4128,7 +4135,7 @@
         </p:nvSpPr>
         <p:spPr>
           <a:xfrm>
-            <a:off x="5127205" y="2676618"/>
+            <a:off x="5402425" y="2118260"/>
             <a:ext cx="2270950" cy="369332"/>
           </a:xfrm>
           <a:prstGeom prst="rect">
@@ -4196,7 +4203,7 @@
         </p:nvSpPr>
         <p:spPr>
           <a:xfrm>
-            <a:off x="8077200" y="1904954"/>
+            <a:off x="9145657" y="2782887"/>
             <a:ext cx="1407705" cy="369332"/>
           </a:xfrm>
           <a:prstGeom prst="rect">
@@ -4234,9 +4241,9 @@
           <p:nvPr/>
         </p:nvCxnSpPr>
         <p:spPr>
-          <a:xfrm flipV="1">
-            <a:off x="6445946" y="2777386"/>
-            <a:ext cx="1934624" cy="703727"/>
+          <a:xfrm>
+            <a:off x="6721166" y="2922755"/>
+            <a:ext cx="2727861" cy="732564"/>
           </a:xfrm>
           <a:prstGeom prst="straightConnector1">
             <a:avLst/>
@@ -4279,8 +4286,8 @@
         </p:nvCxnSpPr>
         <p:spPr>
           <a:xfrm flipV="1">
-            <a:off x="3573349" y="3481113"/>
-            <a:ext cx="1998611" cy="169292"/>
+            <a:off x="3573349" y="2922755"/>
+            <a:ext cx="2273831" cy="727650"/>
           </a:xfrm>
           <a:prstGeom prst="straightConnector1">
             <a:avLst/>
@@ -4319,7 +4326,7 @@
         </p:nvSpPr>
         <p:spPr>
           <a:xfrm>
-            <a:off x="7086601" y="4916863"/>
+            <a:off x="4797196" y="3850445"/>
             <a:ext cx="4003470" cy="369332"/>
           </a:xfrm>
           <a:prstGeom prst="rect">
@@ -4352,15 +4359,15 @@
           </p:cNvPr>
           <p:cNvCxnSpPr>
             <a:cxnSpLocks/>
-            <a:stCxn id="16" idx="3"/>
-            <a:endCxn id="29" idx="1"/>
+            <a:stCxn id="16" idx="2"/>
+            <a:endCxn id="29" idx="0"/>
           </p:cNvCxnSpPr>
           <p:nvPr/>
         </p:nvCxnSpPr>
         <p:spPr>
           <a:xfrm>
-            <a:off x="6445946" y="3481113"/>
-            <a:ext cx="2056022" cy="1067051"/>
+            <a:off x="6284173" y="3359748"/>
+            <a:ext cx="0" cy="960744"/>
           </a:xfrm>
           <a:prstGeom prst="straightConnector1">
             <a:avLst/>
@@ -4413,7 +4420,7 @@
         </p:blipFill>
         <p:spPr>
           <a:xfrm>
-            <a:off x="8501968" y="4111171"/>
+            <a:off x="5847180" y="4320492"/>
             <a:ext cx="873986" cy="873986"/>
           </a:xfrm>
           <a:prstGeom prst="rect">
@@ -4433,14 +4440,14 @@
           <p:cNvCxnSpPr>
             <a:cxnSpLocks/>
             <a:stCxn id="22" idx="2"/>
-            <a:endCxn id="29" idx="0"/>
+            <a:endCxn id="29" idx="3"/>
           </p:cNvCxnSpPr>
           <p:nvPr/>
         </p:nvCxnSpPr>
         <p:spPr>
-          <a:xfrm>
-            <a:off x="8932738" y="3329553"/>
-            <a:ext cx="6223" cy="781618"/>
+          <a:xfrm flipH="1">
+            <a:off x="6721166" y="4207486"/>
+            <a:ext cx="3280029" cy="549999"/>
           </a:xfrm>
           <a:prstGeom prst="straightConnector1">
             <a:avLst/>

--- a/backend context diagram.pptx
+++ b/backend context diagram.pptx
@@ -118,12 +118,12 @@
   <pc:docChgLst>
     <pc:chgData userId="4de77596fc931c1f" providerId="LiveId" clId="{DEF7735F-C33B-42B5-891D-DC1E43EAFD3E}"/>
     <pc:docChg chg="undo custSel addSld delSld modSld">
-      <pc:chgData name="" userId="4de77596fc931c1f" providerId="LiveId" clId="{DEF7735F-C33B-42B5-891D-DC1E43EAFD3E}" dt="2022-10-26T04:54:01.585" v="496" actId="1076"/>
+      <pc:chgData name="" userId="4de77596fc931c1f" providerId="LiveId" clId="{DEF7735F-C33B-42B5-891D-DC1E43EAFD3E}" dt="2022-11-08T05:58:28.631" v="523" actId="20577"/>
       <pc:docMkLst>
         <pc:docMk/>
       </pc:docMkLst>
       <pc:sldChg chg="addSp delSp modSp">
-        <pc:chgData name="" userId="4de77596fc931c1f" providerId="LiveId" clId="{DEF7735F-C33B-42B5-891D-DC1E43EAFD3E}" dt="2022-10-26T04:54:01.585" v="496" actId="1076"/>
+        <pc:chgData name="" userId="4de77596fc931c1f" providerId="LiveId" clId="{DEF7735F-C33B-42B5-891D-DC1E43EAFD3E}" dt="2022-11-08T05:58:06.534" v="509" actId="20577"/>
         <pc:sldMkLst>
           <pc:docMk/>
           <pc:sldMk cId="4050542598" sldId="256"/>
@@ -161,7 +161,7 @@
           </ac:spMkLst>
         </pc:spChg>
         <pc:spChg chg="add mod">
-          <ac:chgData name="" userId="4de77596fc931c1f" providerId="LiveId" clId="{DEF7735F-C33B-42B5-891D-DC1E43EAFD3E}" dt="2022-10-26T04:54:01.585" v="496" actId="1076"/>
+          <ac:chgData name="" userId="4de77596fc931c1f" providerId="LiveId" clId="{DEF7735F-C33B-42B5-891D-DC1E43EAFD3E}" dt="2022-11-08T05:58:06.534" v="509" actId="20577"/>
           <ac:spMkLst>
             <pc:docMk/>
             <pc:sldMk cId="4050542598" sldId="256"/>
@@ -346,7 +346,7 @@
         </pc:cxnChg>
       </pc:sldChg>
       <pc:sldChg chg="addSp delSp modSp add">
-        <pc:chgData name="" userId="4de77596fc931c1f" providerId="LiveId" clId="{DEF7735F-C33B-42B5-891D-DC1E43EAFD3E}" dt="2022-10-26T00:43:28.367" v="486" actId="1038"/>
+        <pc:chgData name="" userId="4de77596fc931c1f" providerId="LiveId" clId="{DEF7735F-C33B-42B5-891D-DC1E43EAFD3E}" dt="2022-11-08T05:58:28.631" v="523" actId="20577"/>
         <pc:sldMkLst>
           <pc:docMk/>
           <pc:sldMk cId="3447864335" sldId="257"/>
@@ -384,7 +384,7 @@
           </ac:spMkLst>
         </pc:spChg>
         <pc:spChg chg="add mod ord">
-          <ac:chgData name="" userId="4de77596fc931c1f" providerId="LiveId" clId="{DEF7735F-C33B-42B5-891D-DC1E43EAFD3E}" dt="2022-10-26T00:43:19.945" v="477" actId="1035"/>
+          <ac:chgData name="" userId="4de77596fc931c1f" providerId="LiveId" clId="{DEF7735F-C33B-42B5-891D-DC1E43EAFD3E}" dt="2022-11-08T05:58:28.631" v="523" actId="20577"/>
           <ac:spMkLst>
             <pc:docMk/>
             <pc:sldMk cId="3447864335" sldId="257"/>
@@ -439,13 +439,6 @@
             <ac:spMk id="48" creationId="{EAC2D6BD-2E8D-46B3-8508-A0CEEE16217A}"/>
           </ac:spMkLst>
         </pc:spChg>
-      </pc:sldChg>
-      <pc:sldChg chg="add del">
-        <pc:chgData name="" userId="4de77596fc931c1f" providerId="LiveId" clId="{DEF7735F-C33B-42B5-891D-DC1E43EAFD3E}" dt="2022-10-26T04:53:10.984" v="488" actId="2696"/>
-        <pc:sldMkLst>
-          <pc:docMk/>
-          <pc:sldMk cId="4090388569" sldId="258"/>
-        </pc:sldMkLst>
       </pc:sldChg>
     </pc:docChg>
   </pc:docChgLst>
@@ -751,7 +744,7 @@
           <a:p>
             <a:fld id="{5DD09874-953A-42D7-A9BD-62E4B57A3C71}" type="datetimeFigureOut">
               <a:rPr lang="ko-KR" altLang="en-US" smtClean="0"/>
-              <a:t>2022-10-26</a:t>
+              <a:t>2022-11-08</a:t>
             </a:fld>
             <a:endParaRPr lang="ko-KR" altLang="en-US"/>
           </a:p>
@@ -949,7 +942,7 @@
           <a:p>
             <a:fld id="{5DD09874-953A-42D7-A9BD-62E4B57A3C71}" type="datetimeFigureOut">
               <a:rPr lang="ko-KR" altLang="en-US" smtClean="0"/>
-              <a:t>2022-10-26</a:t>
+              <a:t>2022-11-08</a:t>
             </a:fld>
             <a:endParaRPr lang="ko-KR" altLang="en-US"/>
           </a:p>
@@ -1157,7 +1150,7 @@
           <a:p>
             <a:fld id="{5DD09874-953A-42D7-A9BD-62E4B57A3C71}" type="datetimeFigureOut">
               <a:rPr lang="ko-KR" altLang="en-US" smtClean="0"/>
-              <a:t>2022-10-26</a:t>
+              <a:t>2022-11-08</a:t>
             </a:fld>
             <a:endParaRPr lang="ko-KR" altLang="en-US"/>
           </a:p>
@@ -1355,7 +1348,7 @@
           <a:p>
             <a:fld id="{5DD09874-953A-42D7-A9BD-62E4B57A3C71}" type="datetimeFigureOut">
               <a:rPr lang="ko-KR" altLang="en-US" smtClean="0"/>
-              <a:t>2022-10-26</a:t>
+              <a:t>2022-11-08</a:t>
             </a:fld>
             <a:endParaRPr lang="ko-KR" altLang="en-US"/>
           </a:p>
@@ -1630,7 +1623,7 @@
           <a:p>
             <a:fld id="{5DD09874-953A-42D7-A9BD-62E4B57A3C71}" type="datetimeFigureOut">
               <a:rPr lang="ko-KR" altLang="en-US" smtClean="0"/>
-              <a:t>2022-10-26</a:t>
+              <a:t>2022-11-08</a:t>
             </a:fld>
             <a:endParaRPr lang="ko-KR" altLang="en-US"/>
           </a:p>
@@ -1895,7 +1888,7 @@
           <a:p>
             <a:fld id="{5DD09874-953A-42D7-A9BD-62E4B57A3C71}" type="datetimeFigureOut">
               <a:rPr lang="ko-KR" altLang="en-US" smtClean="0"/>
-              <a:t>2022-10-26</a:t>
+              <a:t>2022-11-08</a:t>
             </a:fld>
             <a:endParaRPr lang="ko-KR" altLang="en-US"/>
           </a:p>
@@ -2307,7 +2300,7 @@
           <a:p>
             <a:fld id="{5DD09874-953A-42D7-A9BD-62E4B57A3C71}" type="datetimeFigureOut">
               <a:rPr lang="ko-KR" altLang="en-US" smtClean="0"/>
-              <a:t>2022-10-26</a:t>
+              <a:t>2022-11-08</a:t>
             </a:fld>
             <a:endParaRPr lang="ko-KR" altLang="en-US"/>
           </a:p>
@@ -2448,7 +2441,7 @@
           <a:p>
             <a:fld id="{5DD09874-953A-42D7-A9BD-62E4B57A3C71}" type="datetimeFigureOut">
               <a:rPr lang="ko-KR" altLang="en-US" smtClean="0"/>
-              <a:t>2022-10-26</a:t>
+              <a:t>2022-11-08</a:t>
             </a:fld>
             <a:endParaRPr lang="ko-KR" altLang="en-US"/>
           </a:p>
@@ -2561,7 +2554,7 @@
           <a:p>
             <a:fld id="{5DD09874-953A-42D7-A9BD-62E4B57A3C71}" type="datetimeFigureOut">
               <a:rPr lang="ko-KR" altLang="en-US" smtClean="0"/>
-              <a:t>2022-10-26</a:t>
+              <a:t>2022-11-08</a:t>
             </a:fld>
             <a:endParaRPr lang="ko-KR" altLang="en-US"/>
           </a:p>
@@ -2872,7 +2865,7 @@
           <a:p>
             <a:fld id="{5DD09874-953A-42D7-A9BD-62E4B57A3C71}" type="datetimeFigureOut">
               <a:rPr lang="ko-KR" altLang="en-US" smtClean="0"/>
-              <a:t>2022-10-26</a:t>
+              <a:t>2022-11-08</a:t>
             </a:fld>
             <a:endParaRPr lang="ko-KR" altLang="en-US"/>
           </a:p>
@@ -3160,7 +3153,7 @@
           <a:p>
             <a:fld id="{5DD09874-953A-42D7-A9BD-62E4B57A3C71}" type="datetimeFigureOut">
               <a:rPr lang="ko-KR" altLang="en-US" smtClean="0"/>
-              <a:t>2022-10-26</a:t>
+              <a:t>2022-11-08</a:t>
             </a:fld>
             <a:endParaRPr lang="ko-KR" altLang="en-US"/>
           </a:p>
@@ -3401,7 +3394,7 @@
           <a:p>
             <a:fld id="{5DD09874-953A-42D7-A9BD-62E4B57A3C71}" type="datetimeFigureOut">
               <a:rPr lang="ko-KR" altLang="en-US" smtClean="0"/>
-              <a:t>2022-10-26</a:t>
+              <a:t>2022-11-08</a:t>
             </a:fld>
             <a:endParaRPr lang="ko-KR" altLang="en-US"/>
           </a:p>
@@ -4342,7 +4335,15 @@
           <a:p>
             <a:r>
               <a:rPr lang="en-US" altLang="ko-KR" dirty="0"/>
-              <a:t>Recommendation System (Python)</a:t>
+              <a:t>Recommendation server</a:t>
+            </a:r>
+            <a:r>
+              <a:rPr lang="ko-KR" altLang="en-US" dirty="0"/>
+              <a:t> </a:t>
+            </a:r>
+            <a:r>
+              <a:rPr lang="en-US" altLang="ko-KR" dirty="0"/>
+              <a:t>(Python)</a:t>
             </a:r>
             <a:endParaRPr lang="ko-KR" altLang="en-US" dirty="0"/>
           </a:p>
@@ -5328,7 +5329,7 @@
           <a:p>
             <a:r>
               <a:rPr lang="en-US" altLang="ko-KR" dirty="0"/>
-              <a:t>Recommendation System (Python)</a:t>
+              <a:t>Recommendation server (Python)</a:t>
             </a:r>
             <a:endParaRPr lang="ko-KR" altLang="en-US" dirty="0"/>
           </a:p>
